--- a/项目开发计划.pptx
+++ b/项目开发计划.pptx
@@ -5,7 +5,7 @@
     <p:sldMasterId id="2147483648" r:id="rId1"/>
   </p:sldMasterIdLst>
   <p:notesMasterIdLst>
-    <p:notesMasterId r:id="rId14"/>
+    <p:notesMasterId r:id="rId16"/>
   </p:notesMasterIdLst>
   <p:sldIdLst>
     <p:sldId id="269" r:id="rId2"/>
@@ -19,7 +19,9 @@
     <p:sldId id="275" r:id="rId10"/>
     <p:sldId id="260" r:id="rId11"/>
     <p:sldId id="262" r:id="rId12"/>
-    <p:sldId id="266" r:id="rId13"/>
+    <p:sldId id="276" r:id="rId13"/>
+    <p:sldId id="277" r:id="rId14"/>
+    <p:sldId id="266" r:id="rId15"/>
   </p:sldIdLst>
   <p:sldSz cx="12192000" cy="6858000"/>
   <p:notesSz cx="6858000" cy="9144000"/>
@@ -404,7 +406,7 @@
                 <a:ea typeface="宋体" panose="02010600030101010101" pitchFamily="2" charset="-122"/>
                 <a:cs typeface="+mn-cs"/>
               </a:rPr>
-              <a:t>2017/10/29</a:t>
+              <a:t>2017/11/3</a:t>
             </a:fld>
             <a:endParaRPr kumimoji="0" lang="zh-CN" altLang="en-US" sz="1200" b="0" i="0" u="none" strike="noStrike" kern="1200" cap="none" spc="0" normalizeH="0" baseline="0" noProof="0">
               <a:ln>
@@ -1195,7 +1197,7 @@
             </a:pPr>
             <a:fld id="{BB962C8B-B14F-4D97-AF65-F5344CB8AC3E}" type="datetime1">
               <a:rPr lang="zh-CN" altLang="en-US" dirty="0"/>
-              <a:t>2017/10/29</a:t>
+              <a:t>2017/11/3</a:t>
             </a:fld>
             <a:endParaRPr lang="zh-CN" altLang="en-US" sz="1200" dirty="0"/>
           </a:p>
@@ -1342,7 +1344,7 @@
             </a:pPr>
             <a:fld id="{BB962C8B-B14F-4D97-AF65-F5344CB8AC3E}" type="datetime1">
               <a:rPr lang="zh-CN" altLang="en-US" dirty="0"/>
-              <a:t>2017/10/29</a:t>
+              <a:t>2017/11/3</a:t>
             </a:fld>
             <a:endParaRPr lang="zh-CN" altLang="en-US" sz="1200" dirty="0"/>
           </a:p>
@@ -1395,6 +1397,300 @@
 </file>
 
 <file path=ppt/notesSlides/notesSlide11.xml><?xml version="1.0" encoding="utf-8"?>
+<p:notes xmlns:a="http://schemas.openxmlformats.org/drawingml/2006/main" xmlns:r="http://schemas.openxmlformats.org/officeDocument/2006/relationships" xmlns:p="http://schemas.openxmlformats.org/presentationml/2006/main">
+  <p:cSld>
+    <p:spTree>
+      <p:nvGrpSpPr>
+        <p:cNvPr id="1" name=""/>
+        <p:cNvGrpSpPr/>
+        <p:nvPr/>
+      </p:nvGrpSpPr>
+      <p:grpSpPr>
+        <a:xfrm>
+          <a:off x="0" y="0"/>
+          <a:ext cx="0" cy="0"/>
+          <a:chOff x="0" y="0"/>
+          <a:chExt cx="0" cy="0"/>
+        </a:xfrm>
+      </p:grpSpPr>
+      <p:sp>
+        <p:nvSpPr>
+          <p:cNvPr id="18434" name="幻灯片图像占位符 1"/>
+          <p:cNvSpPr>
+            <a:spLocks noGrp="1" noRot="1" noChangeAspect="1" noTextEdit="1"/>
+          </p:cNvSpPr>
+          <p:nvPr>
+            <p:ph type="sldImg"/>
+          </p:nvPr>
+        </p:nvSpPr>
+        <p:spPr>
+          <a:ln/>
+        </p:spPr>
+      </p:sp>
+      <p:sp>
+        <p:nvSpPr>
+          <p:cNvPr id="18435" name="备注占位符 2"/>
+          <p:cNvSpPr>
+            <a:spLocks noGrp="1"/>
+          </p:cNvSpPr>
+          <p:nvPr>
+            <p:ph type="body" idx="1"/>
+          </p:nvPr>
+        </p:nvSpPr>
+        <p:spPr>
+          <a:xfrm>
+            <a:off x="685800" y="4400550"/>
+            <a:ext cx="5486400" cy="3600450"/>
+          </a:xfrm>
+          <a:prstGeom prst="rect">
+            <a:avLst/>
+          </a:prstGeom>
+          <a:noFill/>
+          <a:ln w="9525">
+            <a:noFill/>
+          </a:ln>
+        </p:spPr>
+        <p:txBody>
+          <a:bodyPr/>
+          <a:lstStyle/>
+          <a:p>
+            <a:pPr lvl="0"/>
+            <a:endParaRPr lang="zh-CN" altLang="en-US" dirty="0"/>
+          </a:p>
+        </p:txBody>
+      </p:sp>
+      <p:sp>
+        <p:nvSpPr>
+          <p:cNvPr id="18436" name="日期占位符 3"/>
+          <p:cNvSpPr txBox="1">
+            <a:spLocks noGrp="1"/>
+          </p:cNvSpPr>
+          <p:nvPr>
+            <p:ph type="dt" sz="half"/>
+          </p:nvPr>
+        </p:nvSpPr>
+        <p:spPr>
+          <a:xfrm>
+            <a:off x="3884613" y="0"/>
+            <a:ext cx="2971800" cy="458788"/>
+          </a:xfrm>
+          <a:prstGeom prst="rect">
+            <a:avLst/>
+          </a:prstGeom>
+          <a:noFill/>
+          <a:ln w="9525">
+            <a:noFill/>
+          </a:ln>
+        </p:spPr>
+        <p:txBody>
+          <a:bodyPr/>
+          <a:lstStyle/>
+          <a:p>
+            <a:pPr lvl="0" algn="r" eaLnBrk="1" hangingPunct="1">
+              <a:buChar char="•"/>
+            </a:pPr>
+            <a:fld id="{BB962C8B-B14F-4D97-AF65-F5344CB8AC3E}" type="datetime1">
+              <a:rPr lang="zh-CN" altLang="en-US" dirty="0"/>
+              <a:t>2017/11/3</a:t>
+            </a:fld>
+            <a:endParaRPr lang="zh-CN" altLang="en-US" sz="1200" dirty="0"/>
+          </a:p>
+        </p:txBody>
+      </p:sp>
+      <p:sp>
+        <p:nvSpPr>
+          <p:cNvPr id="18437" name="灯片编号占位符 4"/>
+          <p:cNvSpPr txBox="1">
+            <a:spLocks noGrp="1"/>
+          </p:cNvSpPr>
+          <p:nvPr>
+            <p:ph type="sldNum" sz="quarter"/>
+          </p:nvPr>
+        </p:nvSpPr>
+        <p:spPr>
+          <a:xfrm>
+            <a:off x="3884613" y="8685213"/>
+            <a:ext cx="2971800" cy="458787"/>
+          </a:xfrm>
+          <a:prstGeom prst="rect">
+            <a:avLst/>
+          </a:prstGeom>
+          <a:noFill/>
+          <a:ln w="9525">
+            <a:noFill/>
+          </a:ln>
+        </p:spPr>
+        <p:txBody>
+          <a:bodyPr anchor="b"/>
+          <a:lstStyle/>
+          <a:p>
+            <a:pPr lvl="0" algn="r" eaLnBrk="1" hangingPunct="1">
+              <a:buChar char="•"/>
+            </a:pPr>
+            <a:fld id="{9A0DB2DC-4C9A-4742-B13C-FB6460FD3503}" type="slidenum">
+              <a:rPr lang="zh-CN" altLang="en-US" dirty="0"/>
+              <a:t>12</a:t>
+            </a:fld>
+            <a:endParaRPr lang="zh-CN" altLang="en-US" sz="1200" dirty="0"/>
+          </a:p>
+        </p:txBody>
+      </p:sp>
+    </p:spTree>
+  </p:cSld>
+  <p:clrMapOvr>
+    <a:masterClrMapping/>
+  </p:clrMapOvr>
+</p:notes>
+</file>
+
+<file path=ppt/notesSlides/notesSlide12.xml><?xml version="1.0" encoding="utf-8"?>
+<p:notes xmlns:a="http://schemas.openxmlformats.org/drawingml/2006/main" xmlns:r="http://schemas.openxmlformats.org/officeDocument/2006/relationships" xmlns:p="http://schemas.openxmlformats.org/presentationml/2006/main">
+  <p:cSld>
+    <p:spTree>
+      <p:nvGrpSpPr>
+        <p:cNvPr id="1" name=""/>
+        <p:cNvGrpSpPr/>
+        <p:nvPr/>
+      </p:nvGrpSpPr>
+      <p:grpSpPr>
+        <a:xfrm>
+          <a:off x="0" y="0"/>
+          <a:ext cx="0" cy="0"/>
+          <a:chOff x="0" y="0"/>
+          <a:chExt cx="0" cy="0"/>
+        </a:xfrm>
+      </p:grpSpPr>
+      <p:sp>
+        <p:nvSpPr>
+          <p:cNvPr id="18434" name="幻灯片图像占位符 1"/>
+          <p:cNvSpPr>
+            <a:spLocks noGrp="1" noRot="1" noChangeAspect="1" noTextEdit="1"/>
+          </p:cNvSpPr>
+          <p:nvPr>
+            <p:ph type="sldImg"/>
+          </p:nvPr>
+        </p:nvSpPr>
+        <p:spPr>
+          <a:ln/>
+        </p:spPr>
+      </p:sp>
+      <p:sp>
+        <p:nvSpPr>
+          <p:cNvPr id="18435" name="备注占位符 2"/>
+          <p:cNvSpPr>
+            <a:spLocks noGrp="1"/>
+          </p:cNvSpPr>
+          <p:nvPr>
+            <p:ph type="body" idx="1"/>
+          </p:nvPr>
+        </p:nvSpPr>
+        <p:spPr>
+          <a:xfrm>
+            <a:off x="685800" y="4400550"/>
+            <a:ext cx="5486400" cy="3600450"/>
+          </a:xfrm>
+          <a:prstGeom prst="rect">
+            <a:avLst/>
+          </a:prstGeom>
+          <a:noFill/>
+          <a:ln w="9525">
+            <a:noFill/>
+          </a:ln>
+        </p:spPr>
+        <p:txBody>
+          <a:bodyPr/>
+          <a:lstStyle/>
+          <a:p>
+            <a:pPr lvl="0"/>
+            <a:endParaRPr lang="zh-CN" altLang="en-US" dirty="0"/>
+          </a:p>
+        </p:txBody>
+      </p:sp>
+      <p:sp>
+        <p:nvSpPr>
+          <p:cNvPr id="18436" name="日期占位符 3"/>
+          <p:cNvSpPr txBox="1">
+            <a:spLocks noGrp="1"/>
+          </p:cNvSpPr>
+          <p:nvPr>
+            <p:ph type="dt" sz="half"/>
+          </p:nvPr>
+        </p:nvSpPr>
+        <p:spPr>
+          <a:xfrm>
+            <a:off x="3884613" y="0"/>
+            <a:ext cx="2971800" cy="458788"/>
+          </a:xfrm>
+          <a:prstGeom prst="rect">
+            <a:avLst/>
+          </a:prstGeom>
+          <a:noFill/>
+          <a:ln w="9525">
+            <a:noFill/>
+          </a:ln>
+        </p:spPr>
+        <p:txBody>
+          <a:bodyPr/>
+          <a:lstStyle/>
+          <a:p>
+            <a:pPr lvl="0" algn="r" eaLnBrk="1" hangingPunct="1">
+              <a:buChar char="•"/>
+            </a:pPr>
+            <a:fld id="{BB962C8B-B14F-4D97-AF65-F5344CB8AC3E}" type="datetime1">
+              <a:rPr lang="zh-CN" altLang="en-US" dirty="0"/>
+              <a:t>2017/11/3</a:t>
+            </a:fld>
+            <a:endParaRPr lang="zh-CN" altLang="en-US" sz="1200" dirty="0"/>
+          </a:p>
+        </p:txBody>
+      </p:sp>
+      <p:sp>
+        <p:nvSpPr>
+          <p:cNvPr id="18437" name="灯片编号占位符 4"/>
+          <p:cNvSpPr txBox="1">
+            <a:spLocks noGrp="1"/>
+          </p:cNvSpPr>
+          <p:nvPr>
+            <p:ph type="sldNum" sz="quarter"/>
+          </p:nvPr>
+        </p:nvSpPr>
+        <p:spPr>
+          <a:xfrm>
+            <a:off x="3884613" y="8685213"/>
+            <a:ext cx="2971800" cy="458787"/>
+          </a:xfrm>
+          <a:prstGeom prst="rect">
+            <a:avLst/>
+          </a:prstGeom>
+          <a:noFill/>
+          <a:ln w="9525">
+            <a:noFill/>
+          </a:ln>
+        </p:spPr>
+        <p:txBody>
+          <a:bodyPr anchor="b"/>
+          <a:lstStyle/>
+          <a:p>
+            <a:pPr lvl="0" algn="r" eaLnBrk="1" hangingPunct="1">
+              <a:buChar char="•"/>
+            </a:pPr>
+            <a:fld id="{9A0DB2DC-4C9A-4742-B13C-FB6460FD3503}" type="slidenum">
+              <a:rPr lang="zh-CN" altLang="en-US" dirty="0"/>
+              <a:t>13</a:t>
+            </a:fld>
+            <a:endParaRPr lang="zh-CN" altLang="en-US" sz="1200" dirty="0"/>
+          </a:p>
+        </p:txBody>
+      </p:sp>
+    </p:spTree>
+  </p:cSld>
+  <p:clrMapOvr>
+    <a:masterClrMapping/>
+  </p:clrMapOvr>
+</p:notes>
+</file>
+
+<file path=ppt/notesSlides/notesSlide13.xml><?xml version="1.0" encoding="utf-8"?>
 <p:notes xmlns:a="http://schemas.openxmlformats.org/drawingml/2006/main" xmlns:r="http://schemas.openxmlformats.org/officeDocument/2006/relationships" xmlns:p="http://schemas.openxmlformats.org/presentationml/2006/main">
   <p:cSld>
     <p:spTree>
@@ -1489,7 +1785,7 @@
             </a:pPr>
             <a:fld id="{BB962C8B-B14F-4D97-AF65-F5344CB8AC3E}" type="datetime1">
               <a:rPr lang="zh-CN" altLang="en-US" dirty="0"/>
-              <a:t>2017/10/29</a:t>
+              <a:t>2017/11/3</a:t>
             </a:fld>
             <a:endParaRPr lang="zh-CN" altLang="en-US" sz="1200" dirty="0"/>
           </a:p>
@@ -1527,7 +1823,7 @@
             </a:pPr>
             <a:fld id="{9A0DB2DC-4C9A-4742-B13C-FB6460FD3503}" type="slidenum">
               <a:rPr lang="zh-CN" altLang="en-US" dirty="0"/>
-              <a:t>12</a:t>
+              <a:t>14</a:t>
             </a:fld>
             <a:endParaRPr lang="zh-CN" altLang="en-US" sz="1200" dirty="0"/>
           </a:p>
@@ -1636,7 +1932,7 @@
             </a:pPr>
             <a:fld id="{BB962C8B-B14F-4D97-AF65-F5344CB8AC3E}" type="datetime1">
               <a:rPr lang="zh-CN" altLang="en-US" dirty="0"/>
-              <a:t>2017/10/29</a:t>
+              <a:t>2017/11/3</a:t>
             </a:fld>
             <a:endParaRPr lang="zh-CN" altLang="en-US" sz="1200" dirty="0"/>
           </a:p>
@@ -1783,7 +2079,7 @@
             </a:pPr>
             <a:fld id="{BB962C8B-B14F-4D97-AF65-F5344CB8AC3E}" type="datetime1">
               <a:rPr lang="zh-CN" altLang="en-US" dirty="0"/>
-              <a:t>2017/10/29</a:t>
+              <a:t>2017/11/3</a:t>
             </a:fld>
             <a:endParaRPr lang="zh-CN" altLang="en-US" sz="1200" dirty="0"/>
           </a:p>
@@ -1930,7 +2226,7 @@
             </a:pPr>
             <a:fld id="{BB962C8B-B14F-4D97-AF65-F5344CB8AC3E}" type="datetime1">
               <a:rPr lang="zh-CN" altLang="en-US" dirty="0"/>
-              <a:t>2017/10/29</a:t>
+              <a:t>2017/11/3</a:t>
             </a:fld>
             <a:endParaRPr lang="zh-CN" altLang="en-US" sz="1200" dirty="0"/>
           </a:p>
@@ -2077,7 +2373,7 @@
             </a:pPr>
             <a:fld id="{BB962C8B-B14F-4D97-AF65-F5344CB8AC3E}" type="datetime1">
               <a:rPr lang="zh-CN" altLang="en-US" dirty="0"/>
-              <a:t>2017/10/29</a:t>
+              <a:t>2017/11/3</a:t>
             </a:fld>
             <a:endParaRPr lang="zh-CN" altLang="en-US" sz="1200" dirty="0"/>
           </a:p>
@@ -2224,7 +2520,7 @@
             </a:pPr>
             <a:fld id="{BB962C8B-B14F-4D97-AF65-F5344CB8AC3E}" type="datetime1">
               <a:rPr lang="zh-CN" altLang="en-US" dirty="0"/>
-              <a:t>2017/10/29</a:t>
+              <a:t>2017/11/3</a:t>
             </a:fld>
             <a:endParaRPr lang="zh-CN" altLang="en-US" sz="1200" dirty="0"/>
           </a:p>
@@ -2371,7 +2667,7 @@
             </a:pPr>
             <a:fld id="{BB962C8B-B14F-4D97-AF65-F5344CB8AC3E}" type="datetime1">
               <a:rPr lang="zh-CN" altLang="en-US" dirty="0"/>
-              <a:t>2017/10/29</a:t>
+              <a:t>2017/11/3</a:t>
             </a:fld>
             <a:endParaRPr lang="zh-CN" altLang="en-US" sz="1200" dirty="0"/>
           </a:p>
@@ -2518,7 +2814,7 @@
             </a:pPr>
             <a:fld id="{BB962C8B-B14F-4D97-AF65-F5344CB8AC3E}" type="datetime1">
               <a:rPr lang="zh-CN" altLang="en-US" dirty="0"/>
-              <a:t>2017/10/29</a:t>
+              <a:t>2017/11/3</a:t>
             </a:fld>
             <a:endParaRPr lang="zh-CN" altLang="en-US" sz="1200" dirty="0"/>
           </a:p>
@@ -2665,7 +2961,7 @@
             </a:pPr>
             <a:fld id="{BB962C8B-B14F-4D97-AF65-F5344CB8AC3E}" type="datetime1">
               <a:rPr lang="zh-CN" altLang="en-US" dirty="0"/>
-              <a:t>2017/10/29</a:t>
+              <a:t>2017/11/3</a:t>
             </a:fld>
             <a:endParaRPr lang="zh-CN" altLang="en-US" sz="1200" dirty="0"/>
           </a:p>
@@ -2877,7 +3173,7 @@
                 <a:ea typeface="宋体" panose="02010600030101010101" pitchFamily="2" charset="-122"/>
                 <a:cs typeface="+mn-cs"/>
               </a:rPr>
-              <a:t>2017/10/29</a:t>
+              <a:t>2017/11/3</a:t>
             </a:fld>
             <a:endParaRPr kumimoji="0" lang="zh-CN" altLang="en-US" sz="1800" b="0" i="0" u="none" strike="noStrike" kern="1200" cap="none" spc="0" normalizeH="0" baseline="0" noProof="0">
               <a:ln>
@@ -3158,7 +3454,7 @@
                 <a:ea typeface="宋体" panose="02010600030101010101" pitchFamily="2" charset="-122"/>
                 <a:cs typeface="+mn-cs"/>
               </a:rPr>
-              <a:t>2017/10/29</a:t>
+              <a:t>2017/11/3</a:t>
             </a:fld>
             <a:endParaRPr kumimoji="0" lang="zh-CN" altLang="en-US" sz="1800" b="0" i="0" u="none" strike="noStrike" kern="1200" cap="none" spc="0" normalizeH="0" baseline="0" noProof="0">
               <a:ln>
@@ -3449,7 +3745,7 @@
                 <a:ea typeface="宋体" panose="02010600030101010101" pitchFamily="2" charset="-122"/>
                 <a:cs typeface="+mn-cs"/>
               </a:rPr>
-              <a:t>2017/10/29</a:t>
+              <a:t>2017/11/3</a:t>
             </a:fld>
             <a:endParaRPr kumimoji="0" lang="zh-CN" altLang="en-US" sz="1800" b="0" i="0" u="none" strike="noStrike" kern="1200" cap="none" spc="0" normalizeH="0" baseline="0" noProof="0">
               <a:ln>
@@ -3730,7 +4026,7 @@
                 <a:ea typeface="宋体" panose="02010600030101010101" pitchFamily="2" charset="-122"/>
                 <a:cs typeface="+mn-cs"/>
               </a:rPr>
-              <a:t>2017/10/29</a:t>
+              <a:t>2017/11/3</a:t>
             </a:fld>
             <a:endParaRPr kumimoji="0" lang="zh-CN" altLang="en-US" sz="1800" b="0" i="0" u="none" strike="noStrike" kern="1200" cap="none" spc="0" normalizeH="0" baseline="0" noProof="0">
               <a:ln>
@@ -4033,7 +4329,7 @@
                 <a:ea typeface="宋体" panose="02010600030101010101" pitchFamily="2" charset="-122"/>
                 <a:cs typeface="+mn-cs"/>
               </a:rPr>
-              <a:t>2017/10/29</a:t>
+              <a:t>2017/11/3</a:t>
             </a:fld>
             <a:endParaRPr kumimoji="0" lang="zh-CN" altLang="en-US" sz="1800" b="0" i="0" u="none" strike="noStrike" kern="1200" cap="none" spc="0" normalizeH="0" baseline="0" noProof="0">
               <a:ln>
@@ -4376,7 +4672,7 @@
                 <a:ea typeface="宋体" panose="02010600030101010101" pitchFamily="2" charset="-122"/>
                 <a:cs typeface="+mn-cs"/>
               </a:rPr>
-              <a:t>2017/10/29</a:t>
+              <a:t>2017/11/3</a:t>
             </a:fld>
             <a:endParaRPr kumimoji="0" lang="zh-CN" altLang="en-US" sz="1800" b="0" i="0" u="none" strike="noStrike" kern="1200" cap="none" spc="0" normalizeH="0" baseline="0" noProof="0">
               <a:ln>
@@ -4854,7 +5150,7 @@
                 <a:ea typeface="宋体" panose="02010600030101010101" pitchFamily="2" charset="-122"/>
                 <a:cs typeface="+mn-cs"/>
               </a:rPr>
-              <a:t>2017/10/29</a:t>
+              <a:t>2017/11/3</a:t>
             </a:fld>
             <a:endParaRPr kumimoji="0" lang="zh-CN" altLang="en-US" sz="1800" b="0" i="0" u="none" strike="noStrike" kern="1200" cap="none" spc="0" normalizeH="0" baseline="0" noProof="0">
               <a:ln>
@@ -5083,7 +5379,7 @@
                 <a:ea typeface="宋体" panose="02010600030101010101" pitchFamily="2" charset="-122"/>
                 <a:cs typeface="+mn-cs"/>
               </a:rPr>
-              <a:t>2017/10/29</a:t>
+              <a:t>2017/11/3</a:t>
             </a:fld>
             <a:endParaRPr kumimoji="0" lang="zh-CN" altLang="en-US" sz="1800" b="0" i="0" u="none" strike="noStrike" kern="1200" cap="none" spc="0" normalizeH="0" baseline="0" noProof="0">
               <a:ln>
@@ -5289,7 +5585,7 @@
                 <a:ea typeface="宋体" panose="02010600030101010101" pitchFamily="2" charset="-122"/>
                 <a:cs typeface="+mn-cs"/>
               </a:rPr>
-              <a:t>2017/10/29</a:t>
+              <a:t>2017/11/3</a:t>
             </a:fld>
             <a:endParaRPr kumimoji="0" lang="zh-CN" altLang="en-US" sz="1800" b="0" i="0" u="none" strike="noStrike" kern="1200" cap="none" spc="0" normalizeH="0" baseline="0" noProof="0">
               <a:ln>
@@ -5677,7 +5973,7 @@
                 <a:ea typeface="宋体" panose="02010600030101010101" pitchFamily="2" charset="-122"/>
                 <a:cs typeface="+mn-cs"/>
               </a:rPr>
-              <a:t>2017/10/29</a:t>
+              <a:t>2017/11/3</a:t>
             </a:fld>
             <a:endParaRPr kumimoji="0" lang="zh-CN" altLang="en-US" sz="1800" b="0" i="0" u="none" strike="noStrike" kern="1200" cap="none" spc="0" normalizeH="0" baseline="0" noProof="0">
               <a:ln>
@@ -6071,7 +6367,7 @@
                 <a:ea typeface="宋体" panose="02010600030101010101" pitchFamily="2" charset="-122"/>
                 <a:cs typeface="+mn-cs"/>
               </a:rPr>
-              <a:t>2017/10/29</a:t>
+              <a:t>2017/11/3</a:t>
             </a:fld>
             <a:endParaRPr kumimoji="0" lang="zh-CN" altLang="en-US" sz="1800" b="0" i="0" u="none" strike="noStrike" kern="1200" cap="none" spc="0" normalizeH="0" baseline="0" noProof="0">
               <a:ln>
@@ -6427,7 +6723,7 @@
                 <a:ea typeface="宋体" panose="02010600030101010101" pitchFamily="2" charset="-122"/>
                 <a:cs typeface="+mn-cs"/>
               </a:rPr>
-              <a:t>2017/10/29</a:t>
+              <a:t>2017/11/3</a:t>
             </a:fld>
             <a:endParaRPr kumimoji="0" lang="zh-CN" altLang="en-US" sz="1800" b="0" i="0" u="none" strike="noStrike" kern="1200" cap="none" spc="0" normalizeH="0" baseline="0" noProof="0">
               <a:ln>
@@ -7182,7 +7478,7 @@
                 <a:ea typeface="宋体" panose="02010600030101010101" pitchFamily="2" charset="-122"/>
                 <a:cs typeface="+mn-cs"/>
               </a:rPr>
-              <a:t>2017/10/29</a:t>
+              <a:t>2017/11/3</a:t>
             </a:fld>
             <a:endParaRPr kumimoji="0" lang="zh-CN" altLang="en-US" sz="1800" b="0" i="0" u="none" strike="noStrike" kern="1200" cap="none" spc="0" normalizeH="0" baseline="0" noProof="0">
               <a:ln>
@@ -8722,11 +9018,6 @@
               </a:rPr>
               <a:t>前几周内用户需要提供所需开发软件的具体需求，中间几周需要用户提供所需更改软件的具体需求，最终阶段用户需要对产品及其各类文档进行审评。</a:t>
             </a:r>
-            <a:endParaRPr lang="zh-CN" altLang="zh-CN" sz="2000" dirty="0">
-              <a:solidFill>
-                <a:schemeClr val="bg1"/>
-              </a:solidFill>
-            </a:endParaRPr>
           </a:p>
         </p:txBody>
       </p:sp>
@@ -9326,7 +9617,7 @@
           <a:lstStyle/>
           <a:p>
             <a:r>
-              <a:rPr lang="zh-CN" altLang="zh-CN" dirty="0">
+              <a:rPr lang="zh-CN" altLang="zh-CN" dirty="0" smtClean="0">
                 <a:solidFill>
                   <a:schemeClr val="bg1"/>
                 </a:solidFill>
@@ -9336,7 +9627,7 @@
           </a:p>
           <a:p>
             <a:r>
-              <a:rPr lang="zh-CN" altLang="zh-CN" dirty="0">
+              <a:rPr lang="zh-CN" altLang="zh-CN" dirty="0" smtClean="0">
                 <a:solidFill>
                   <a:schemeClr val="bg1"/>
                 </a:solidFill>
@@ -9359,36 +9650,20 @@
                   <a:schemeClr val="bg1"/>
                 </a:solidFill>
               </a:rPr>
-              <a:t>单元测试</a:t>
-            </a:r>
-            <a:r>
-              <a:rPr lang="zh-CN" altLang="zh-CN" dirty="0">
+              <a:t>单元测试：项目组的测试人员结合详细的计划，对单元模块开始进行测试。通过对设计文档的深入理解，从模块界面开始，对代码进行详细的单元测试。</a:t>
+            </a:r>
+          </a:p>
+          <a:p>
+            <a:r>
+              <a:rPr lang="en-US" altLang="zh-CN" dirty="0" smtClean="0">
                 <a:solidFill>
                   <a:schemeClr val="bg1"/>
                 </a:solidFill>
               </a:rPr>
-              <a:t>：项目组的测试人员结合详细的计划，对单元模块开始进行测试。通过对设计文档的深入理解，从模块界面开始，对代码进行详细的单元测试。</a:t>
-            </a:r>
-          </a:p>
-          <a:p>
-            <a:r>
-              <a:rPr lang="en-US" altLang="zh-CN" dirty="0">
-                <a:solidFill>
-                  <a:schemeClr val="bg1"/>
-                </a:solidFill>
-              </a:rPr>
-              <a:t>  </a:t>
-            </a:r>
-            <a:r>
-              <a:rPr lang="en-US" altLang="zh-CN" dirty="0" smtClean="0">
-                <a:solidFill>
-                  <a:schemeClr val="bg1"/>
-                </a:solidFill>
-              </a:rPr>
-              <a:t>     </a:t>
-            </a:r>
-            <a:r>
-              <a:rPr lang="zh-CN" altLang="zh-CN" dirty="0">
+              <a:t>       </a:t>
+            </a:r>
+            <a:r>
+              <a:rPr lang="zh-CN" altLang="zh-CN" dirty="0" smtClean="0">
                 <a:solidFill>
                   <a:schemeClr val="bg1"/>
                 </a:solidFill>
@@ -9398,23 +9673,15 @@
           </a:p>
           <a:p>
             <a:r>
-              <a:rPr lang="en-US" altLang="zh-CN" dirty="0">
+              <a:rPr lang="en-US" altLang="zh-CN" dirty="0" smtClean="0">
                 <a:solidFill>
                   <a:schemeClr val="bg1"/>
                 </a:solidFill>
               </a:rPr>
-              <a:t>  </a:t>
-            </a:r>
-            <a:r>
-              <a:rPr lang="en-US" altLang="zh-CN" dirty="0" smtClean="0">
-                <a:solidFill>
-                  <a:schemeClr val="bg1"/>
-                </a:solidFill>
-              </a:rPr>
-              <a:t>     </a:t>
-            </a:r>
-            <a:r>
-              <a:rPr lang="zh-CN" altLang="zh-CN" dirty="0">
+              <a:t>       </a:t>
+            </a:r>
+            <a:r>
+              <a:rPr lang="zh-CN" altLang="zh-CN" dirty="0" smtClean="0">
                 <a:solidFill>
                   <a:schemeClr val="bg1"/>
                 </a:solidFill>
@@ -9424,20 +9691,12 @@
           </a:p>
           <a:p>
             <a:r>
-              <a:rPr lang="zh-CN" altLang="zh-CN" dirty="0">
+              <a:rPr lang="zh-CN" altLang="zh-CN" dirty="0" smtClean="0">
                 <a:solidFill>
                   <a:schemeClr val="bg1"/>
                 </a:solidFill>
               </a:rPr>
-              <a:t>用户培训计划：当用户对于产品运行有不理解或不会使用的情况，对用户进行</a:t>
-            </a:r>
-            <a:r>
-              <a:rPr lang="zh-CN" altLang="zh-CN" dirty="0" smtClean="0">
-                <a:solidFill>
-                  <a:schemeClr val="bg1"/>
-                </a:solidFill>
-              </a:rPr>
-              <a:t>培训</a:t>
+              <a:t>用户培训计划：当用户对于产品运行有不理解或不会使用的情况，对用户进行培训</a:t>
             </a:r>
             <a:r>
               <a:rPr lang="zh-CN" altLang="en-US" dirty="0" smtClean="0">
@@ -9447,7 +9706,7 @@
               </a:rPr>
               <a:t>。</a:t>
             </a:r>
-            <a:endParaRPr lang="zh-CN" altLang="zh-CN" dirty="0">
+            <a:endParaRPr lang="zh-CN" altLang="zh-CN" dirty="0" smtClean="0">
               <a:solidFill>
                 <a:schemeClr val="bg1"/>
               </a:solidFill>
@@ -9477,6 +9736,1482 @@
 </file>
 
 <file path=ppt/slides/slide12.xml><?xml version="1.0" encoding="utf-8"?>
+<p:sld xmlns:a="http://schemas.openxmlformats.org/drawingml/2006/main" xmlns:r="http://schemas.openxmlformats.org/officeDocument/2006/relationships" xmlns:p="http://schemas.openxmlformats.org/presentationml/2006/main">
+  <p:cSld>
+    <p:spTree>
+      <p:nvGrpSpPr>
+        <p:cNvPr id="1" name=""/>
+        <p:cNvGrpSpPr/>
+        <p:nvPr/>
+      </p:nvGrpSpPr>
+      <p:grpSpPr>
+        <a:xfrm>
+          <a:off x="0" y="0"/>
+          <a:ext cx="0" cy="0"/>
+          <a:chOff x="0" y="0"/>
+          <a:chExt cx="0" cy="0"/>
+        </a:xfrm>
+      </p:grpSpPr>
+      <p:sp>
+        <p:nvSpPr>
+          <p:cNvPr id="17410" name="圆角矩形 3"/>
+          <p:cNvSpPr/>
+          <p:nvPr/>
+        </p:nvSpPr>
+        <p:spPr>
+          <a:xfrm>
+            <a:off x="1479550" y="869950"/>
+            <a:ext cx="9174163" cy="914400"/>
+          </a:xfrm>
+          <a:prstGeom prst="roundRect">
+            <a:avLst>
+              <a:gd name="adj" fmla="val 16667"/>
+            </a:avLst>
+          </a:prstGeom>
+          <a:noFill/>
+          <a:ln w="12700" cap="flat" cmpd="sng">
+            <a:solidFill>
+              <a:srgbClr val="FFFFFF">
+                <a:alpha val="38823"/>
+              </a:srgbClr>
+            </a:solidFill>
+            <a:prstDash val="solid"/>
+            <a:miter/>
+            <a:headEnd type="none" w="med" len="med"/>
+            <a:tailEnd type="none" w="med" len="med"/>
+          </a:ln>
+        </p:spPr>
+        <p:txBody>
+          <a:bodyPr anchor="ctr"/>
+          <a:lstStyle>
+            <a:lvl1pPr marL="228600" indent="-228600" algn="l" rtl="0" eaLnBrk="0" fontAlgn="base" hangingPunct="0">
+              <a:lnSpc>
+                <a:spcPct val="90000"/>
+              </a:lnSpc>
+              <a:spcBef>
+                <a:spcPts val="1000"/>
+              </a:spcBef>
+              <a:spcAft>
+                <a:spcPct val="0"/>
+              </a:spcAft>
+              <a:buFont typeface="Arial" panose="020B0604020202020204" pitchFamily="34" charset="0"/>
+              <a:buChar char="•"/>
+              <a:defRPr sz="2800" kern="1200">
+                <a:solidFill>
+                  <a:schemeClr val="tx1"/>
+                </a:solidFill>
+                <a:latin typeface="+mn-lt"/>
+                <a:ea typeface="+mn-ea"/>
+                <a:cs typeface="+mn-cs"/>
+                <a:sym typeface="Calibri" panose="020F0502020204030204" pitchFamily="34" charset="0"/>
+              </a:defRPr>
+            </a:lvl1pPr>
+            <a:lvl2pPr marL="685800" indent="-228600" algn="l" rtl="0" eaLnBrk="0" fontAlgn="base" hangingPunct="0">
+              <a:lnSpc>
+                <a:spcPct val="90000"/>
+              </a:lnSpc>
+              <a:spcBef>
+                <a:spcPts val="500"/>
+              </a:spcBef>
+              <a:spcAft>
+                <a:spcPct val="0"/>
+              </a:spcAft>
+              <a:buFont typeface="Arial" panose="020B0604020202020204" pitchFamily="34" charset="0"/>
+              <a:buChar char="•"/>
+              <a:defRPr sz="2400" kern="1200">
+                <a:solidFill>
+                  <a:schemeClr val="tx1"/>
+                </a:solidFill>
+                <a:latin typeface="+mn-lt"/>
+                <a:ea typeface="+mn-ea"/>
+                <a:cs typeface="+mn-cs"/>
+                <a:sym typeface="Calibri" panose="020F0502020204030204" pitchFamily="34" charset="0"/>
+              </a:defRPr>
+            </a:lvl2pPr>
+            <a:lvl3pPr marL="1143000" indent="-228600" algn="l" rtl="0" eaLnBrk="0" fontAlgn="base" hangingPunct="0">
+              <a:lnSpc>
+                <a:spcPct val="90000"/>
+              </a:lnSpc>
+              <a:spcBef>
+                <a:spcPts val="500"/>
+              </a:spcBef>
+              <a:spcAft>
+                <a:spcPct val="0"/>
+              </a:spcAft>
+              <a:buFont typeface="Arial" panose="020B0604020202020204" pitchFamily="34" charset="0"/>
+              <a:buChar char="•"/>
+              <a:defRPr sz="2000" kern="1200">
+                <a:solidFill>
+                  <a:schemeClr val="tx1"/>
+                </a:solidFill>
+                <a:latin typeface="+mn-lt"/>
+                <a:ea typeface="+mn-ea"/>
+                <a:cs typeface="+mn-cs"/>
+                <a:sym typeface="Calibri" panose="020F0502020204030204" pitchFamily="34" charset="0"/>
+              </a:defRPr>
+            </a:lvl3pPr>
+            <a:lvl4pPr marL="1600200" indent="-228600" algn="l" rtl="0" eaLnBrk="0" fontAlgn="base" hangingPunct="0">
+              <a:lnSpc>
+                <a:spcPct val="90000"/>
+              </a:lnSpc>
+              <a:spcBef>
+                <a:spcPts val="500"/>
+              </a:spcBef>
+              <a:spcAft>
+                <a:spcPct val="0"/>
+              </a:spcAft>
+              <a:buFont typeface="Arial" panose="020B0604020202020204" pitchFamily="34" charset="0"/>
+              <a:buChar char="•"/>
+              <a:defRPr kern="1200">
+                <a:solidFill>
+                  <a:schemeClr val="tx1"/>
+                </a:solidFill>
+                <a:latin typeface="+mn-lt"/>
+                <a:ea typeface="+mn-ea"/>
+                <a:cs typeface="+mn-cs"/>
+                <a:sym typeface="Calibri" panose="020F0502020204030204" pitchFamily="34" charset="0"/>
+              </a:defRPr>
+            </a:lvl4pPr>
+            <a:lvl5pPr marL="2057400" indent="-228600" algn="l" rtl="0" eaLnBrk="0" fontAlgn="base" hangingPunct="0">
+              <a:lnSpc>
+                <a:spcPct val="90000"/>
+              </a:lnSpc>
+              <a:spcBef>
+                <a:spcPts val="500"/>
+              </a:spcBef>
+              <a:spcAft>
+                <a:spcPct val="0"/>
+              </a:spcAft>
+              <a:buFont typeface="Arial" panose="020B0604020202020204" pitchFamily="34" charset="0"/>
+              <a:buChar char="•"/>
+              <a:defRPr kern="1200">
+                <a:solidFill>
+                  <a:schemeClr val="tx1"/>
+                </a:solidFill>
+                <a:latin typeface="+mn-lt"/>
+                <a:ea typeface="+mn-ea"/>
+                <a:cs typeface="+mn-cs"/>
+                <a:sym typeface="Calibri" panose="020F0502020204030204" pitchFamily="34" charset="0"/>
+              </a:defRPr>
+            </a:lvl5pPr>
+          </a:lstStyle>
+          <a:p>
+            <a:pPr marL="0" lvl="0" indent="0" algn="ctr" eaLnBrk="1" hangingPunct="1">
+              <a:lnSpc>
+                <a:spcPct val="100000"/>
+              </a:lnSpc>
+              <a:spcBef>
+                <a:spcPct val="0"/>
+              </a:spcBef>
+              <a:buNone/>
+            </a:pPr>
+            <a:endParaRPr lang="zh-CN" altLang="zh-CN" sz="1800" dirty="0">
+              <a:solidFill>
+                <a:srgbClr val="FFFFFF"/>
+              </a:solidFill>
+              <a:latin typeface="微软雅黑" panose="020B0503020204020204" pitchFamily="34" charset="-122"/>
+              <a:ea typeface="微软雅黑" panose="020B0503020204020204" pitchFamily="34" charset="-122"/>
+              <a:sym typeface="宋体" panose="02010600030101010101" pitchFamily="2" charset="-122"/>
+            </a:endParaRPr>
+          </a:p>
+        </p:txBody>
+      </p:sp>
+      <p:sp>
+        <p:nvSpPr>
+          <p:cNvPr id="17411" name="文本框 4"/>
+          <p:cNvSpPr/>
+          <p:nvPr/>
+        </p:nvSpPr>
+        <p:spPr>
+          <a:xfrm>
+            <a:off x="3571875" y="1004888"/>
+            <a:ext cx="4991100" cy="707886"/>
+          </a:xfrm>
+          <a:prstGeom prst="rect">
+            <a:avLst/>
+          </a:prstGeom>
+          <a:noFill/>
+          <a:ln w="9525">
+            <a:noFill/>
+          </a:ln>
+        </p:spPr>
+        <p:txBody>
+          <a:bodyPr>
+            <a:spAutoFit/>
+          </a:bodyPr>
+          <a:lstStyle>
+            <a:lvl1pPr marL="228600" indent="-228600" algn="l" rtl="0" eaLnBrk="0" fontAlgn="base" hangingPunct="0">
+              <a:lnSpc>
+                <a:spcPct val="90000"/>
+              </a:lnSpc>
+              <a:spcBef>
+                <a:spcPts val="1000"/>
+              </a:spcBef>
+              <a:spcAft>
+                <a:spcPct val="0"/>
+              </a:spcAft>
+              <a:buFont typeface="Arial" panose="020B0604020202020204" pitchFamily="34" charset="0"/>
+              <a:buChar char="•"/>
+              <a:defRPr sz="2800" kern="1200">
+                <a:solidFill>
+                  <a:schemeClr val="tx1"/>
+                </a:solidFill>
+                <a:latin typeface="+mn-lt"/>
+                <a:ea typeface="+mn-ea"/>
+                <a:cs typeface="+mn-cs"/>
+                <a:sym typeface="Calibri" panose="020F0502020204030204" pitchFamily="34" charset="0"/>
+              </a:defRPr>
+            </a:lvl1pPr>
+            <a:lvl2pPr marL="685800" indent="-228600" algn="l" rtl="0" eaLnBrk="0" fontAlgn="base" hangingPunct="0">
+              <a:lnSpc>
+                <a:spcPct val="90000"/>
+              </a:lnSpc>
+              <a:spcBef>
+                <a:spcPts val="500"/>
+              </a:spcBef>
+              <a:spcAft>
+                <a:spcPct val="0"/>
+              </a:spcAft>
+              <a:buFont typeface="Arial" panose="020B0604020202020204" pitchFamily="34" charset="0"/>
+              <a:buChar char="•"/>
+              <a:defRPr sz="2400" kern="1200">
+                <a:solidFill>
+                  <a:schemeClr val="tx1"/>
+                </a:solidFill>
+                <a:latin typeface="+mn-lt"/>
+                <a:ea typeface="+mn-ea"/>
+                <a:cs typeface="+mn-cs"/>
+                <a:sym typeface="Calibri" panose="020F0502020204030204" pitchFamily="34" charset="0"/>
+              </a:defRPr>
+            </a:lvl2pPr>
+            <a:lvl3pPr marL="1143000" indent="-228600" algn="l" rtl="0" eaLnBrk="0" fontAlgn="base" hangingPunct="0">
+              <a:lnSpc>
+                <a:spcPct val="90000"/>
+              </a:lnSpc>
+              <a:spcBef>
+                <a:spcPts val="500"/>
+              </a:spcBef>
+              <a:spcAft>
+                <a:spcPct val="0"/>
+              </a:spcAft>
+              <a:buFont typeface="Arial" panose="020B0604020202020204" pitchFamily="34" charset="0"/>
+              <a:buChar char="•"/>
+              <a:defRPr sz="2000" kern="1200">
+                <a:solidFill>
+                  <a:schemeClr val="tx1"/>
+                </a:solidFill>
+                <a:latin typeface="+mn-lt"/>
+                <a:ea typeface="+mn-ea"/>
+                <a:cs typeface="+mn-cs"/>
+                <a:sym typeface="Calibri" panose="020F0502020204030204" pitchFamily="34" charset="0"/>
+              </a:defRPr>
+            </a:lvl3pPr>
+            <a:lvl4pPr marL="1600200" indent="-228600" algn="l" rtl="0" eaLnBrk="0" fontAlgn="base" hangingPunct="0">
+              <a:lnSpc>
+                <a:spcPct val="90000"/>
+              </a:lnSpc>
+              <a:spcBef>
+                <a:spcPts val="500"/>
+              </a:spcBef>
+              <a:spcAft>
+                <a:spcPct val="0"/>
+              </a:spcAft>
+              <a:buFont typeface="Arial" panose="020B0604020202020204" pitchFamily="34" charset="0"/>
+              <a:buChar char="•"/>
+              <a:defRPr kern="1200">
+                <a:solidFill>
+                  <a:schemeClr val="tx1"/>
+                </a:solidFill>
+                <a:latin typeface="+mn-lt"/>
+                <a:ea typeface="+mn-ea"/>
+                <a:cs typeface="+mn-cs"/>
+                <a:sym typeface="Calibri" panose="020F0502020204030204" pitchFamily="34" charset="0"/>
+              </a:defRPr>
+            </a:lvl4pPr>
+            <a:lvl5pPr marL="2057400" indent="-228600" algn="l" rtl="0" eaLnBrk="0" fontAlgn="base" hangingPunct="0">
+              <a:lnSpc>
+                <a:spcPct val="90000"/>
+              </a:lnSpc>
+              <a:spcBef>
+                <a:spcPts val="500"/>
+              </a:spcBef>
+              <a:spcAft>
+                <a:spcPct val="0"/>
+              </a:spcAft>
+              <a:buFont typeface="Arial" panose="020B0604020202020204" pitchFamily="34" charset="0"/>
+              <a:buChar char="•"/>
+              <a:defRPr kern="1200">
+                <a:solidFill>
+                  <a:schemeClr val="tx1"/>
+                </a:solidFill>
+                <a:latin typeface="+mn-lt"/>
+                <a:ea typeface="+mn-ea"/>
+                <a:cs typeface="+mn-cs"/>
+                <a:sym typeface="Calibri" panose="020F0502020204030204" pitchFamily="34" charset="0"/>
+              </a:defRPr>
+            </a:lvl5pPr>
+          </a:lstStyle>
+          <a:p>
+            <a:pPr marL="0" indent="0" algn="ctr" eaLnBrk="1" hangingPunct="1">
+              <a:lnSpc>
+                <a:spcPct val="100000"/>
+              </a:lnSpc>
+              <a:spcBef>
+                <a:spcPct val="0"/>
+              </a:spcBef>
+              <a:buNone/>
+            </a:pPr>
+            <a:r>
+              <a:rPr lang="zh-CN" altLang="en-US" sz="4000" b="1" dirty="0">
+                <a:solidFill>
+                  <a:schemeClr val="bg1"/>
+                </a:solidFill>
+              </a:rPr>
+              <a:t>参考资料</a:t>
+            </a:r>
+            <a:endParaRPr lang="zh-CN" altLang="zh-CN" sz="4000" b="1" dirty="0">
+              <a:solidFill>
+                <a:schemeClr val="bg1"/>
+              </a:solidFill>
+            </a:endParaRPr>
+          </a:p>
+        </p:txBody>
+      </p:sp>
+      <p:sp>
+        <p:nvSpPr>
+          <p:cNvPr id="17412" name="圆角矩形 5"/>
+          <p:cNvSpPr/>
+          <p:nvPr/>
+        </p:nvSpPr>
+        <p:spPr>
+          <a:xfrm>
+            <a:off x="654050" y="2212975"/>
+            <a:ext cx="10668000" cy="4173538"/>
+          </a:xfrm>
+          <a:prstGeom prst="roundRect">
+            <a:avLst>
+              <a:gd name="adj" fmla="val 16667"/>
+            </a:avLst>
+          </a:prstGeom>
+          <a:noFill/>
+          <a:ln w="12700" cap="flat" cmpd="sng">
+            <a:solidFill>
+              <a:srgbClr val="FFFFFF">
+                <a:alpha val="34901"/>
+              </a:srgbClr>
+            </a:solidFill>
+            <a:prstDash val="solid"/>
+            <a:miter/>
+            <a:headEnd type="none" w="med" len="med"/>
+            <a:tailEnd type="none" w="med" len="med"/>
+          </a:ln>
+        </p:spPr>
+        <p:txBody>
+          <a:bodyPr anchor="ctr"/>
+          <a:lstStyle>
+            <a:lvl1pPr marL="228600" indent="-228600" algn="l" rtl="0" eaLnBrk="0" fontAlgn="base" hangingPunct="0">
+              <a:lnSpc>
+                <a:spcPct val="90000"/>
+              </a:lnSpc>
+              <a:spcBef>
+                <a:spcPts val="1000"/>
+              </a:spcBef>
+              <a:spcAft>
+                <a:spcPct val="0"/>
+              </a:spcAft>
+              <a:buFont typeface="Arial" panose="020B0604020202020204" pitchFamily="34" charset="0"/>
+              <a:buChar char="•"/>
+              <a:defRPr sz="2800" kern="1200">
+                <a:solidFill>
+                  <a:schemeClr val="tx1"/>
+                </a:solidFill>
+                <a:latin typeface="+mn-lt"/>
+                <a:ea typeface="+mn-ea"/>
+                <a:cs typeface="+mn-cs"/>
+                <a:sym typeface="Calibri" panose="020F0502020204030204" pitchFamily="34" charset="0"/>
+              </a:defRPr>
+            </a:lvl1pPr>
+            <a:lvl2pPr marL="685800" indent="-228600" algn="l" rtl="0" eaLnBrk="0" fontAlgn="base" hangingPunct="0">
+              <a:lnSpc>
+                <a:spcPct val="90000"/>
+              </a:lnSpc>
+              <a:spcBef>
+                <a:spcPts val="500"/>
+              </a:spcBef>
+              <a:spcAft>
+                <a:spcPct val="0"/>
+              </a:spcAft>
+              <a:buFont typeface="Arial" panose="020B0604020202020204" pitchFamily="34" charset="0"/>
+              <a:buChar char="•"/>
+              <a:defRPr sz="2400" kern="1200">
+                <a:solidFill>
+                  <a:schemeClr val="tx1"/>
+                </a:solidFill>
+                <a:latin typeface="+mn-lt"/>
+                <a:ea typeface="+mn-ea"/>
+                <a:cs typeface="+mn-cs"/>
+                <a:sym typeface="Calibri" panose="020F0502020204030204" pitchFamily="34" charset="0"/>
+              </a:defRPr>
+            </a:lvl2pPr>
+            <a:lvl3pPr marL="1143000" indent="-228600" algn="l" rtl="0" eaLnBrk="0" fontAlgn="base" hangingPunct="0">
+              <a:lnSpc>
+                <a:spcPct val="90000"/>
+              </a:lnSpc>
+              <a:spcBef>
+                <a:spcPts val="500"/>
+              </a:spcBef>
+              <a:spcAft>
+                <a:spcPct val="0"/>
+              </a:spcAft>
+              <a:buFont typeface="Arial" panose="020B0604020202020204" pitchFamily="34" charset="0"/>
+              <a:buChar char="•"/>
+              <a:defRPr sz="2000" kern="1200">
+                <a:solidFill>
+                  <a:schemeClr val="tx1"/>
+                </a:solidFill>
+                <a:latin typeface="+mn-lt"/>
+                <a:ea typeface="+mn-ea"/>
+                <a:cs typeface="+mn-cs"/>
+                <a:sym typeface="Calibri" panose="020F0502020204030204" pitchFamily="34" charset="0"/>
+              </a:defRPr>
+            </a:lvl3pPr>
+            <a:lvl4pPr marL="1600200" indent="-228600" algn="l" rtl="0" eaLnBrk="0" fontAlgn="base" hangingPunct="0">
+              <a:lnSpc>
+                <a:spcPct val="90000"/>
+              </a:lnSpc>
+              <a:spcBef>
+                <a:spcPts val="500"/>
+              </a:spcBef>
+              <a:spcAft>
+                <a:spcPct val="0"/>
+              </a:spcAft>
+              <a:buFont typeface="Arial" panose="020B0604020202020204" pitchFamily="34" charset="0"/>
+              <a:buChar char="•"/>
+              <a:defRPr kern="1200">
+                <a:solidFill>
+                  <a:schemeClr val="tx1"/>
+                </a:solidFill>
+                <a:latin typeface="+mn-lt"/>
+                <a:ea typeface="+mn-ea"/>
+                <a:cs typeface="+mn-cs"/>
+                <a:sym typeface="Calibri" panose="020F0502020204030204" pitchFamily="34" charset="0"/>
+              </a:defRPr>
+            </a:lvl4pPr>
+            <a:lvl5pPr marL="2057400" indent="-228600" algn="l" rtl="0" eaLnBrk="0" fontAlgn="base" hangingPunct="0">
+              <a:lnSpc>
+                <a:spcPct val="90000"/>
+              </a:lnSpc>
+              <a:spcBef>
+                <a:spcPts val="500"/>
+              </a:spcBef>
+              <a:spcAft>
+                <a:spcPct val="0"/>
+              </a:spcAft>
+              <a:buFont typeface="Arial" panose="020B0604020202020204" pitchFamily="34" charset="0"/>
+              <a:buChar char="•"/>
+              <a:defRPr kern="1200">
+                <a:solidFill>
+                  <a:schemeClr val="tx1"/>
+                </a:solidFill>
+                <a:latin typeface="+mn-lt"/>
+                <a:ea typeface="+mn-ea"/>
+                <a:cs typeface="+mn-cs"/>
+                <a:sym typeface="Calibri" panose="020F0502020204030204" pitchFamily="34" charset="0"/>
+              </a:defRPr>
+            </a:lvl5pPr>
+          </a:lstStyle>
+          <a:p>
+            <a:pPr marL="0" lvl="0" indent="0" algn="ctr" eaLnBrk="1" hangingPunct="1">
+              <a:lnSpc>
+                <a:spcPct val="100000"/>
+              </a:lnSpc>
+              <a:spcBef>
+                <a:spcPct val="0"/>
+              </a:spcBef>
+              <a:buNone/>
+            </a:pPr>
+            <a:endParaRPr lang="zh-CN" altLang="zh-CN" sz="1800" dirty="0">
+              <a:solidFill>
+                <a:srgbClr val="FFFFFF"/>
+              </a:solidFill>
+              <a:latin typeface="微软雅黑" panose="020B0503020204020204" pitchFamily="34" charset="-122"/>
+              <a:ea typeface="微软雅黑" panose="020B0503020204020204" pitchFamily="34" charset="-122"/>
+              <a:sym typeface="宋体" panose="02010600030101010101" pitchFamily="2" charset="-122"/>
+            </a:endParaRPr>
+          </a:p>
+        </p:txBody>
+      </p:sp>
+      <p:sp>
+        <p:nvSpPr>
+          <p:cNvPr id="2" name="TextBox 1"/>
+          <p:cNvSpPr txBox="1"/>
+          <p:nvPr/>
+        </p:nvSpPr>
+        <p:spPr>
+          <a:xfrm>
+            <a:off x="654050" y="3033486"/>
+            <a:ext cx="10668000" cy="1477328"/>
+          </a:xfrm>
+          <a:prstGeom prst="rect">
+            <a:avLst/>
+          </a:prstGeom>
+          <a:noFill/>
+        </p:spPr>
+        <p:txBody>
+          <a:bodyPr wrap="square" rtlCol="0">
+            <a:spAutoFit/>
+          </a:bodyPr>
+          <a:lstStyle/>
+          <a:p>
+            <a:r>
+              <a:rPr lang="zh-CN" altLang="zh-CN" dirty="0">
+                <a:solidFill>
+                  <a:schemeClr val="bg1"/>
+                </a:solidFill>
+              </a:rPr>
+              <a:t>《软件项目管理》原书第</a:t>
+            </a:r>
+            <a:r>
+              <a:rPr lang="en-US" altLang="zh-CN" dirty="0">
+                <a:solidFill>
+                  <a:schemeClr val="bg1"/>
+                </a:solidFill>
+              </a:rPr>
+              <a:t>5</a:t>
+            </a:r>
+            <a:r>
+              <a:rPr lang="zh-CN" altLang="zh-CN" dirty="0">
+                <a:solidFill>
+                  <a:schemeClr val="bg1"/>
+                </a:solidFill>
+              </a:rPr>
+              <a:t>版</a:t>
+            </a:r>
+            <a:r>
+              <a:rPr lang="en-US" altLang="zh-CN" dirty="0">
+                <a:solidFill>
+                  <a:schemeClr val="bg1"/>
+                </a:solidFill>
+              </a:rPr>
+              <a:t>  </a:t>
+            </a:r>
+            <a:r>
+              <a:rPr lang="zh-CN" altLang="zh-CN" dirty="0">
+                <a:solidFill>
+                  <a:schemeClr val="bg1"/>
+                </a:solidFill>
+              </a:rPr>
+              <a:t>作者：（美）</a:t>
+            </a:r>
+            <a:r>
+              <a:rPr lang="en-US" altLang="zh-CN" dirty="0">
+                <a:solidFill>
+                  <a:schemeClr val="bg1"/>
+                </a:solidFill>
+              </a:rPr>
+              <a:t>Bob Hughes Mike </a:t>
+            </a:r>
+            <a:r>
+              <a:rPr lang="en-US" altLang="zh-CN" dirty="0" err="1">
+                <a:solidFill>
+                  <a:schemeClr val="bg1"/>
+                </a:solidFill>
+              </a:rPr>
+              <a:t>Cotterell</a:t>
+            </a:r>
+            <a:r>
+              <a:rPr lang="en-US" altLang="zh-CN" dirty="0">
+                <a:solidFill>
+                  <a:schemeClr val="bg1"/>
+                </a:solidFill>
+              </a:rPr>
+              <a:t>  </a:t>
+            </a:r>
+            <a:r>
+              <a:rPr lang="zh-CN" altLang="zh-CN" dirty="0">
+                <a:solidFill>
+                  <a:schemeClr val="bg1"/>
+                </a:solidFill>
+              </a:rPr>
+              <a:t>廖彬山 周卫华译 机械工业出版社</a:t>
+            </a:r>
+          </a:p>
+          <a:p>
+            <a:r>
+              <a:rPr lang="zh-CN" altLang="zh-CN" dirty="0">
+                <a:solidFill>
+                  <a:schemeClr val="bg1"/>
+                </a:solidFill>
+              </a:rPr>
+              <a:t>《软件需求》第</a:t>
+            </a:r>
+            <a:r>
+              <a:rPr lang="en-US" altLang="zh-CN" dirty="0">
+                <a:solidFill>
+                  <a:schemeClr val="bg1"/>
+                </a:solidFill>
+              </a:rPr>
+              <a:t>2</a:t>
+            </a:r>
+            <a:r>
+              <a:rPr lang="zh-CN" altLang="zh-CN" dirty="0">
+                <a:solidFill>
+                  <a:schemeClr val="bg1"/>
+                </a:solidFill>
+              </a:rPr>
+              <a:t>版</a:t>
+            </a:r>
+            <a:r>
+              <a:rPr lang="en-US" altLang="zh-CN" dirty="0">
+                <a:solidFill>
+                  <a:schemeClr val="bg1"/>
+                </a:solidFill>
+              </a:rPr>
+              <a:t>  </a:t>
+            </a:r>
+            <a:r>
+              <a:rPr lang="zh-CN" altLang="zh-CN" dirty="0">
+                <a:solidFill>
+                  <a:schemeClr val="bg1"/>
+                </a:solidFill>
+              </a:rPr>
+              <a:t>（美）</a:t>
+            </a:r>
+            <a:r>
+              <a:rPr lang="en-US" altLang="zh-CN" dirty="0">
+                <a:solidFill>
+                  <a:schemeClr val="bg1"/>
+                </a:solidFill>
+              </a:rPr>
+              <a:t>Karl </a:t>
+            </a:r>
+            <a:r>
+              <a:rPr lang="en-US" altLang="zh-CN" dirty="0" err="1">
+                <a:solidFill>
+                  <a:schemeClr val="bg1"/>
+                </a:solidFill>
+              </a:rPr>
+              <a:t>E.Wiegers</a:t>
+            </a:r>
+            <a:r>
+              <a:rPr lang="en-US" altLang="zh-CN" dirty="0">
+                <a:solidFill>
+                  <a:schemeClr val="bg1"/>
+                </a:solidFill>
+              </a:rPr>
+              <a:t>  </a:t>
+            </a:r>
+            <a:r>
+              <a:rPr lang="zh-CN" altLang="zh-CN" dirty="0">
+                <a:solidFill>
+                  <a:schemeClr val="bg1"/>
+                </a:solidFill>
+              </a:rPr>
+              <a:t>刘伟琴 刘洪涛译</a:t>
+            </a:r>
+            <a:r>
+              <a:rPr lang="en-US" altLang="zh-CN" dirty="0">
+                <a:solidFill>
+                  <a:schemeClr val="bg1"/>
+                </a:solidFill>
+              </a:rPr>
+              <a:t>  </a:t>
+            </a:r>
+            <a:r>
+              <a:rPr lang="zh-CN" altLang="zh-CN" dirty="0">
+                <a:solidFill>
+                  <a:schemeClr val="bg1"/>
+                </a:solidFill>
+              </a:rPr>
+              <a:t>清华大学出版社</a:t>
+            </a:r>
+          </a:p>
+          <a:p>
+            <a:r>
+              <a:rPr lang="zh-CN" altLang="zh-CN" dirty="0">
+                <a:solidFill>
+                  <a:schemeClr val="bg1"/>
+                </a:solidFill>
+              </a:rPr>
+              <a:t>《中国软件项目开发标准</a:t>
+            </a:r>
+            <a:r>
+              <a:rPr lang="en-US" altLang="zh-CN" dirty="0">
+                <a:solidFill>
+                  <a:schemeClr val="bg1"/>
+                </a:solidFill>
+              </a:rPr>
+              <a:t>GB-8567--88</a:t>
+            </a:r>
+            <a:r>
+              <a:rPr lang="zh-CN" altLang="zh-CN" dirty="0">
+                <a:solidFill>
+                  <a:schemeClr val="bg1"/>
+                </a:solidFill>
+              </a:rPr>
+              <a:t>》</a:t>
+            </a:r>
+          </a:p>
+          <a:p>
+            <a:endParaRPr lang="zh-CN" altLang="en-US" dirty="0"/>
+          </a:p>
+        </p:txBody>
+      </p:sp>
+    </p:spTree>
+    <p:extLst>
+      <p:ext uri="{BB962C8B-B14F-4D97-AF65-F5344CB8AC3E}">
+        <p14:creationId xmlns:p14="http://schemas.microsoft.com/office/powerpoint/2010/main" val="2194053586"/>
+      </p:ext>
+    </p:extLst>
+  </p:cSld>
+  <p:clrMapOvr>
+    <a:masterClrMapping/>
+  </p:clrMapOvr>
+  <p:transition spd="slow" advTm="3000">
+    <p:fade/>
+  </p:transition>
+  <p:timing>
+    <p:tnLst>
+      <p:par>
+        <p:cTn id="1" dur="indefinite" restart="never" nodeType="tmRoot"/>
+      </p:par>
+    </p:tnLst>
+  </p:timing>
+</p:sld>
+</file>
+
+<file path=ppt/slides/slide13.xml><?xml version="1.0" encoding="utf-8"?>
+<p:sld xmlns:a="http://schemas.openxmlformats.org/drawingml/2006/main" xmlns:r="http://schemas.openxmlformats.org/officeDocument/2006/relationships" xmlns:p="http://schemas.openxmlformats.org/presentationml/2006/main">
+  <p:cSld>
+    <p:spTree>
+      <p:nvGrpSpPr>
+        <p:cNvPr id="1" name=""/>
+        <p:cNvGrpSpPr/>
+        <p:nvPr/>
+      </p:nvGrpSpPr>
+      <p:grpSpPr>
+        <a:xfrm>
+          <a:off x="0" y="0"/>
+          <a:ext cx="0" cy="0"/>
+          <a:chOff x="0" y="0"/>
+          <a:chExt cx="0" cy="0"/>
+        </a:xfrm>
+      </p:grpSpPr>
+      <p:sp>
+        <p:nvSpPr>
+          <p:cNvPr id="17410" name="圆角矩形 3"/>
+          <p:cNvSpPr/>
+          <p:nvPr/>
+        </p:nvSpPr>
+        <p:spPr>
+          <a:xfrm>
+            <a:off x="1479550" y="869950"/>
+            <a:ext cx="9174163" cy="914400"/>
+          </a:xfrm>
+          <a:prstGeom prst="roundRect">
+            <a:avLst>
+              <a:gd name="adj" fmla="val 16667"/>
+            </a:avLst>
+          </a:prstGeom>
+          <a:noFill/>
+          <a:ln w="12700" cap="flat" cmpd="sng">
+            <a:solidFill>
+              <a:srgbClr val="FFFFFF">
+                <a:alpha val="38823"/>
+              </a:srgbClr>
+            </a:solidFill>
+            <a:prstDash val="solid"/>
+            <a:miter/>
+            <a:headEnd type="none" w="med" len="med"/>
+            <a:tailEnd type="none" w="med" len="med"/>
+          </a:ln>
+        </p:spPr>
+        <p:txBody>
+          <a:bodyPr anchor="ctr"/>
+          <a:lstStyle>
+            <a:lvl1pPr marL="228600" indent="-228600" algn="l" rtl="0" eaLnBrk="0" fontAlgn="base" hangingPunct="0">
+              <a:lnSpc>
+                <a:spcPct val="90000"/>
+              </a:lnSpc>
+              <a:spcBef>
+                <a:spcPts val="1000"/>
+              </a:spcBef>
+              <a:spcAft>
+                <a:spcPct val="0"/>
+              </a:spcAft>
+              <a:buFont typeface="Arial" panose="020B0604020202020204" pitchFamily="34" charset="0"/>
+              <a:buChar char="•"/>
+              <a:defRPr sz="2800" kern="1200">
+                <a:solidFill>
+                  <a:schemeClr val="tx1"/>
+                </a:solidFill>
+                <a:latin typeface="+mn-lt"/>
+                <a:ea typeface="+mn-ea"/>
+                <a:cs typeface="+mn-cs"/>
+                <a:sym typeface="Calibri" panose="020F0502020204030204" pitchFamily="34" charset="0"/>
+              </a:defRPr>
+            </a:lvl1pPr>
+            <a:lvl2pPr marL="685800" indent="-228600" algn="l" rtl="0" eaLnBrk="0" fontAlgn="base" hangingPunct="0">
+              <a:lnSpc>
+                <a:spcPct val="90000"/>
+              </a:lnSpc>
+              <a:spcBef>
+                <a:spcPts val="500"/>
+              </a:spcBef>
+              <a:spcAft>
+                <a:spcPct val="0"/>
+              </a:spcAft>
+              <a:buFont typeface="Arial" panose="020B0604020202020204" pitchFamily="34" charset="0"/>
+              <a:buChar char="•"/>
+              <a:defRPr sz="2400" kern="1200">
+                <a:solidFill>
+                  <a:schemeClr val="tx1"/>
+                </a:solidFill>
+                <a:latin typeface="+mn-lt"/>
+                <a:ea typeface="+mn-ea"/>
+                <a:cs typeface="+mn-cs"/>
+                <a:sym typeface="Calibri" panose="020F0502020204030204" pitchFamily="34" charset="0"/>
+              </a:defRPr>
+            </a:lvl2pPr>
+            <a:lvl3pPr marL="1143000" indent="-228600" algn="l" rtl="0" eaLnBrk="0" fontAlgn="base" hangingPunct="0">
+              <a:lnSpc>
+                <a:spcPct val="90000"/>
+              </a:lnSpc>
+              <a:spcBef>
+                <a:spcPts val="500"/>
+              </a:spcBef>
+              <a:spcAft>
+                <a:spcPct val="0"/>
+              </a:spcAft>
+              <a:buFont typeface="Arial" panose="020B0604020202020204" pitchFamily="34" charset="0"/>
+              <a:buChar char="•"/>
+              <a:defRPr sz="2000" kern="1200">
+                <a:solidFill>
+                  <a:schemeClr val="tx1"/>
+                </a:solidFill>
+                <a:latin typeface="+mn-lt"/>
+                <a:ea typeface="+mn-ea"/>
+                <a:cs typeface="+mn-cs"/>
+                <a:sym typeface="Calibri" panose="020F0502020204030204" pitchFamily="34" charset="0"/>
+              </a:defRPr>
+            </a:lvl3pPr>
+            <a:lvl4pPr marL="1600200" indent="-228600" algn="l" rtl="0" eaLnBrk="0" fontAlgn="base" hangingPunct="0">
+              <a:lnSpc>
+                <a:spcPct val="90000"/>
+              </a:lnSpc>
+              <a:spcBef>
+                <a:spcPts val="500"/>
+              </a:spcBef>
+              <a:spcAft>
+                <a:spcPct val="0"/>
+              </a:spcAft>
+              <a:buFont typeface="Arial" panose="020B0604020202020204" pitchFamily="34" charset="0"/>
+              <a:buChar char="•"/>
+              <a:defRPr kern="1200">
+                <a:solidFill>
+                  <a:schemeClr val="tx1"/>
+                </a:solidFill>
+                <a:latin typeface="+mn-lt"/>
+                <a:ea typeface="+mn-ea"/>
+                <a:cs typeface="+mn-cs"/>
+                <a:sym typeface="Calibri" panose="020F0502020204030204" pitchFamily="34" charset="0"/>
+              </a:defRPr>
+            </a:lvl4pPr>
+            <a:lvl5pPr marL="2057400" indent="-228600" algn="l" rtl="0" eaLnBrk="0" fontAlgn="base" hangingPunct="0">
+              <a:lnSpc>
+                <a:spcPct val="90000"/>
+              </a:lnSpc>
+              <a:spcBef>
+                <a:spcPts val="500"/>
+              </a:spcBef>
+              <a:spcAft>
+                <a:spcPct val="0"/>
+              </a:spcAft>
+              <a:buFont typeface="Arial" panose="020B0604020202020204" pitchFamily="34" charset="0"/>
+              <a:buChar char="•"/>
+              <a:defRPr kern="1200">
+                <a:solidFill>
+                  <a:schemeClr val="tx1"/>
+                </a:solidFill>
+                <a:latin typeface="+mn-lt"/>
+                <a:ea typeface="+mn-ea"/>
+                <a:cs typeface="+mn-cs"/>
+                <a:sym typeface="Calibri" panose="020F0502020204030204" pitchFamily="34" charset="0"/>
+              </a:defRPr>
+            </a:lvl5pPr>
+          </a:lstStyle>
+          <a:p>
+            <a:pPr marL="0" lvl="0" indent="0" algn="ctr" eaLnBrk="1" hangingPunct="1">
+              <a:lnSpc>
+                <a:spcPct val="100000"/>
+              </a:lnSpc>
+              <a:spcBef>
+                <a:spcPct val="0"/>
+              </a:spcBef>
+              <a:buNone/>
+            </a:pPr>
+            <a:endParaRPr lang="zh-CN" altLang="zh-CN" sz="1800" dirty="0">
+              <a:solidFill>
+                <a:srgbClr val="FFFFFF"/>
+              </a:solidFill>
+              <a:latin typeface="微软雅黑" panose="020B0503020204020204" pitchFamily="34" charset="-122"/>
+              <a:ea typeface="微软雅黑" panose="020B0503020204020204" pitchFamily="34" charset="-122"/>
+              <a:sym typeface="宋体" panose="02010600030101010101" pitchFamily="2" charset="-122"/>
+            </a:endParaRPr>
+          </a:p>
+        </p:txBody>
+      </p:sp>
+      <p:sp>
+        <p:nvSpPr>
+          <p:cNvPr id="17411" name="文本框 4"/>
+          <p:cNvSpPr/>
+          <p:nvPr/>
+        </p:nvSpPr>
+        <p:spPr>
+          <a:xfrm>
+            <a:off x="3571875" y="1004888"/>
+            <a:ext cx="4991100" cy="707886"/>
+          </a:xfrm>
+          <a:prstGeom prst="rect">
+            <a:avLst/>
+          </a:prstGeom>
+          <a:noFill/>
+          <a:ln w="9525">
+            <a:noFill/>
+          </a:ln>
+        </p:spPr>
+        <p:txBody>
+          <a:bodyPr>
+            <a:spAutoFit/>
+          </a:bodyPr>
+          <a:lstStyle>
+            <a:lvl1pPr marL="228600" indent="-228600" algn="l" rtl="0" eaLnBrk="0" fontAlgn="base" hangingPunct="0">
+              <a:lnSpc>
+                <a:spcPct val="90000"/>
+              </a:lnSpc>
+              <a:spcBef>
+                <a:spcPts val="1000"/>
+              </a:spcBef>
+              <a:spcAft>
+                <a:spcPct val="0"/>
+              </a:spcAft>
+              <a:buFont typeface="Arial" panose="020B0604020202020204" pitchFamily="34" charset="0"/>
+              <a:buChar char="•"/>
+              <a:defRPr sz="2800" kern="1200">
+                <a:solidFill>
+                  <a:schemeClr val="tx1"/>
+                </a:solidFill>
+                <a:latin typeface="+mn-lt"/>
+                <a:ea typeface="+mn-ea"/>
+                <a:cs typeface="+mn-cs"/>
+                <a:sym typeface="Calibri" panose="020F0502020204030204" pitchFamily="34" charset="0"/>
+              </a:defRPr>
+            </a:lvl1pPr>
+            <a:lvl2pPr marL="685800" indent="-228600" algn="l" rtl="0" eaLnBrk="0" fontAlgn="base" hangingPunct="0">
+              <a:lnSpc>
+                <a:spcPct val="90000"/>
+              </a:lnSpc>
+              <a:spcBef>
+                <a:spcPts val="500"/>
+              </a:spcBef>
+              <a:spcAft>
+                <a:spcPct val="0"/>
+              </a:spcAft>
+              <a:buFont typeface="Arial" panose="020B0604020202020204" pitchFamily="34" charset="0"/>
+              <a:buChar char="•"/>
+              <a:defRPr sz="2400" kern="1200">
+                <a:solidFill>
+                  <a:schemeClr val="tx1"/>
+                </a:solidFill>
+                <a:latin typeface="+mn-lt"/>
+                <a:ea typeface="+mn-ea"/>
+                <a:cs typeface="+mn-cs"/>
+                <a:sym typeface="Calibri" panose="020F0502020204030204" pitchFamily="34" charset="0"/>
+              </a:defRPr>
+            </a:lvl2pPr>
+            <a:lvl3pPr marL="1143000" indent="-228600" algn="l" rtl="0" eaLnBrk="0" fontAlgn="base" hangingPunct="0">
+              <a:lnSpc>
+                <a:spcPct val="90000"/>
+              </a:lnSpc>
+              <a:spcBef>
+                <a:spcPts val="500"/>
+              </a:spcBef>
+              <a:spcAft>
+                <a:spcPct val="0"/>
+              </a:spcAft>
+              <a:buFont typeface="Arial" panose="020B0604020202020204" pitchFamily="34" charset="0"/>
+              <a:buChar char="•"/>
+              <a:defRPr sz="2000" kern="1200">
+                <a:solidFill>
+                  <a:schemeClr val="tx1"/>
+                </a:solidFill>
+                <a:latin typeface="+mn-lt"/>
+                <a:ea typeface="+mn-ea"/>
+                <a:cs typeface="+mn-cs"/>
+                <a:sym typeface="Calibri" panose="020F0502020204030204" pitchFamily="34" charset="0"/>
+              </a:defRPr>
+            </a:lvl3pPr>
+            <a:lvl4pPr marL="1600200" indent="-228600" algn="l" rtl="0" eaLnBrk="0" fontAlgn="base" hangingPunct="0">
+              <a:lnSpc>
+                <a:spcPct val="90000"/>
+              </a:lnSpc>
+              <a:spcBef>
+                <a:spcPts val="500"/>
+              </a:spcBef>
+              <a:spcAft>
+                <a:spcPct val="0"/>
+              </a:spcAft>
+              <a:buFont typeface="Arial" panose="020B0604020202020204" pitchFamily="34" charset="0"/>
+              <a:buChar char="•"/>
+              <a:defRPr kern="1200">
+                <a:solidFill>
+                  <a:schemeClr val="tx1"/>
+                </a:solidFill>
+                <a:latin typeface="+mn-lt"/>
+                <a:ea typeface="+mn-ea"/>
+                <a:cs typeface="+mn-cs"/>
+                <a:sym typeface="Calibri" panose="020F0502020204030204" pitchFamily="34" charset="0"/>
+              </a:defRPr>
+            </a:lvl4pPr>
+            <a:lvl5pPr marL="2057400" indent="-228600" algn="l" rtl="0" eaLnBrk="0" fontAlgn="base" hangingPunct="0">
+              <a:lnSpc>
+                <a:spcPct val="90000"/>
+              </a:lnSpc>
+              <a:spcBef>
+                <a:spcPts val="500"/>
+              </a:spcBef>
+              <a:spcAft>
+                <a:spcPct val="0"/>
+              </a:spcAft>
+              <a:buFont typeface="Arial" panose="020B0604020202020204" pitchFamily="34" charset="0"/>
+              <a:buChar char="•"/>
+              <a:defRPr kern="1200">
+                <a:solidFill>
+                  <a:schemeClr val="tx1"/>
+                </a:solidFill>
+                <a:latin typeface="+mn-lt"/>
+                <a:ea typeface="+mn-ea"/>
+                <a:cs typeface="+mn-cs"/>
+                <a:sym typeface="Calibri" panose="020F0502020204030204" pitchFamily="34" charset="0"/>
+              </a:defRPr>
+            </a:lvl5pPr>
+          </a:lstStyle>
+          <a:p>
+            <a:pPr marL="0" indent="0" algn="ctr" eaLnBrk="1" hangingPunct="1">
+              <a:lnSpc>
+                <a:spcPct val="100000"/>
+              </a:lnSpc>
+              <a:spcBef>
+                <a:spcPct val="0"/>
+              </a:spcBef>
+              <a:buNone/>
+            </a:pPr>
+            <a:r>
+              <a:rPr lang="zh-CN" altLang="en-US" sz="4000" b="1" dirty="0" smtClean="0">
+                <a:solidFill>
+                  <a:schemeClr val="bg1"/>
+                </a:solidFill>
+              </a:rPr>
+              <a:t>小组成员</a:t>
+            </a:r>
+            <a:endParaRPr lang="zh-CN" altLang="zh-CN" sz="4000" b="1" dirty="0">
+              <a:solidFill>
+                <a:schemeClr val="bg1"/>
+              </a:solidFill>
+            </a:endParaRPr>
+          </a:p>
+        </p:txBody>
+      </p:sp>
+      <p:sp>
+        <p:nvSpPr>
+          <p:cNvPr id="17412" name="圆角矩形 5"/>
+          <p:cNvSpPr/>
+          <p:nvPr/>
+        </p:nvSpPr>
+        <p:spPr>
+          <a:xfrm>
+            <a:off x="654050" y="2212975"/>
+            <a:ext cx="10668000" cy="4173538"/>
+          </a:xfrm>
+          <a:prstGeom prst="roundRect">
+            <a:avLst>
+              <a:gd name="adj" fmla="val 16667"/>
+            </a:avLst>
+          </a:prstGeom>
+          <a:noFill/>
+          <a:ln w="12700" cap="flat" cmpd="sng">
+            <a:solidFill>
+              <a:srgbClr val="FFFFFF">
+                <a:alpha val="34901"/>
+              </a:srgbClr>
+            </a:solidFill>
+            <a:prstDash val="solid"/>
+            <a:miter/>
+            <a:headEnd type="none" w="med" len="med"/>
+            <a:tailEnd type="none" w="med" len="med"/>
+          </a:ln>
+        </p:spPr>
+        <p:txBody>
+          <a:bodyPr anchor="ctr"/>
+          <a:lstStyle>
+            <a:lvl1pPr marL="228600" indent="-228600" algn="l" rtl="0" eaLnBrk="0" fontAlgn="base" hangingPunct="0">
+              <a:lnSpc>
+                <a:spcPct val="90000"/>
+              </a:lnSpc>
+              <a:spcBef>
+                <a:spcPts val="1000"/>
+              </a:spcBef>
+              <a:spcAft>
+                <a:spcPct val="0"/>
+              </a:spcAft>
+              <a:buFont typeface="Arial" panose="020B0604020202020204" pitchFamily="34" charset="0"/>
+              <a:buChar char="•"/>
+              <a:defRPr sz="2800" kern="1200">
+                <a:solidFill>
+                  <a:schemeClr val="tx1"/>
+                </a:solidFill>
+                <a:latin typeface="+mn-lt"/>
+                <a:ea typeface="+mn-ea"/>
+                <a:cs typeface="+mn-cs"/>
+                <a:sym typeface="Calibri" panose="020F0502020204030204" pitchFamily="34" charset="0"/>
+              </a:defRPr>
+            </a:lvl1pPr>
+            <a:lvl2pPr marL="685800" indent="-228600" algn="l" rtl="0" eaLnBrk="0" fontAlgn="base" hangingPunct="0">
+              <a:lnSpc>
+                <a:spcPct val="90000"/>
+              </a:lnSpc>
+              <a:spcBef>
+                <a:spcPts val="500"/>
+              </a:spcBef>
+              <a:spcAft>
+                <a:spcPct val="0"/>
+              </a:spcAft>
+              <a:buFont typeface="Arial" panose="020B0604020202020204" pitchFamily="34" charset="0"/>
+              <a:buChar char="•"/>
+              <a:defRPr sz="2400" kern="1200">
+                <a:solidFill>
+                  <a:schemeClr val="tx1"/>
+                </a:solidFill>
+                <a:latin typeface="+mn-lt"/>
+                <a:ea typeface="+mn-ea"/>
+                <a:cs typeface="+mn-cs"/>
+                <a:sym typeface="Calibri" panose="020F0502020204030204" pitchFamily="34" charset="0"/>
+              </a:defRPr>
+            </a:lvl2pPr>
+            <a:lvl3pPr marL="1143000" indent="-228600" algn="l" rtl="0" eaLnBrk="0" fontAlgn="base" hangingPunct="0">
+              <a:lnSpc>
+                <a:spcPct val="90000"/>
+              </a:lnSpc>
+              <a:spcBef>
+                <a:spcPts val="500"/>
+              </a:spcBef>
+              <a:spcAft>
+                <a:spcPct val="0"/>
+              </a:spcAft>
+              <a:buFont typeface="Arial" panose="020B0604020202020204" pitchFamily="34" charset="0"/>
+              <a:buChar char="•"/>
+              <a:defRPr sz="2000" kern="1200">
+                <a:solidFill>
+                  <a:schemeClr val="tx1"/>
+                </a:solidFill>
+                <a:latin typeface="+mn-lt"/>
+                <a:ea typeface="+mn-ea"/>
+                <a:cs typeface="+mn-cs"/>
+                <a:sym typeface="Calibri" panose="020F0502020204030204" pitchFamily="34" charset="0"/>
+              </a:defRPr>
+            </a:lvl3pPr>
+            <a:lvl4pPr marL="1600200" indent="-228600" algn="l" rtl="0" eaLnBrk="0" fontAlgn="base" hangingPunct="0">
+              <a:lnSpc>
+                <a:spcPct val="90000"/>
+              </a:lnSpc>
+              <a:spcBef>
+                <a:spcPts val="500"/>
+              </a:spcBef>
+              <a:spcAft>
+                <a:spcPct val="0"/>
+              </a:spcAft>
+              <a:buFont typeface="Arial" panose="020B0604020202020204" pitchFamily="34" charset="0"/>
+              <a:buChar char="•"/>
+              <a:defRPr kern="1200">
+                <a:solidFill>
+                  <a:schemeClr val="tx1"/>
+                </a:solidFill>
+                <a:latin typeface="+mn-lt"/>
+                <a:ea typeface="+mn-ea"/>
+                <a:cs typeface="+mn-cs"/>
+                <a:sym typeface="Calibri" panose="020F0502020204030204" pitchFamily="34" charset="0"/>
+              </a:defRPr>
+            </a:lvl4pPr>
+            <a:lvl5pPr marL="2057400" indent="-228600" algn="l" rtl="0" eaLnBrk="0" fontAlgn="base" hangingPunct="0">
+              <a:lnSpc>
+                <a:spcPct val="90000"/>
+              </a:lnSpc>
+              <a:spcBef>
+                <a:spcPts val="500"/>
+              </a:spcBef>
+              <a:spcAft>
+                <a:spcPct val="0"/>
+              </a:spcAft>
+              <a:buFont typeface="Arial" panose="020B0604020202020204" pitchFamily="34" charset="0"/>
+              <a:buChar char="•"/>
+              <a:defRPr kern="1200">
+                <a:solidFill>
+                  <a:schemeClr val="tx1"/>
+                </a:solidFill>
+                <a:latin typeface="+mn-lt"/>
+                <a:ea typeface="+mn-ea"/>
+                <a:cs typeface="+mn-cs"/>
+                <a:sym typeface="Calibri" panose="020F0502020204030204" pitchFamily="34" charset="0"/>
+              </a:defRPr>
+            </a:lvl5pPr>
+          </a:lstStyle>
+          <a:p>
+            <a:pPr marL="0" lvl="0" indent="0" algn="ctr" eaLnBrk="1" hangingPunct="1">
+              <a:lnSpc>
+                <a:spcPct val="100000"/>
+              </a:lnSpc>
+              <a:spcBef>
+                <a:spcPct val="0"/>
+              </a:spcBef>
+              <a:buNone/>
+            </a:pPr>
+            <a:endParaRPr lang="zh-CN" altLang="zh-CN" sz="1800" dirty="0">
+              <a:solidFill>
+                <a:srgbClr val="FFFFFF"/>
+              </a:solidFill>
+              <a:latin typeface="微软雅黑" panose="020B0503020204020204" pitchFamily="34" charset="-122"/>
+              <a:ea typeface="微软雅黑" panose="020B0503020204020204" pitchFamily="34" charset="-122"/>
+              <a:sym typeface="宋体" panose="02010600030101010101" pitchFamily="2" charset="-122"/>
+            </a:endParaRPr>
+          </a:p>
+        </p:txBody>
+      </p:sp>
+      <p:sp>
+        <p:nvSpPr>
+          <p:cNvPr id="2" name="TextBox 1"/>
+          <p:cNvSpPr txBox="1"/>
+          <p:nvPr/>
+        </p:nvSpPr>
+        <p:spPr>
+          <a:xfrm>
+            <a:off x="654050" y="3033486"/>
+            <a:ext cx="10668000" cy="2554545"/>
+          </a:xfrm>
+          <a:prstGeom prst="rect">
+            <a:avLst/>
+          </a:prstGeom>
+          <a:noFill/>
+        </p:spPr>
+        <p:txBody>
+          <a:bodyPr wrap="square" rtlCol="0">
+            <a:spAutoFit/>
+          </a:bodyPr>
+          <a:lstStyle/>
+          <a:p>
+            <a:r>
+              <a:rPr lang="zh-CN" altLang="en-US" sz="3200" dirty="0" smtClean="0">
+                <a:solidFill>
+                  <a:schemeClr val="bg1"/>
+                </a:solidFill>
+              </a:rPr>
+              <a:t>陈启强：项目计划文档、制作</a:t>
+            </a:r>
+            <a:r>
+              <a:rPr lang="en-US" altLang="zh-CN" sz="3200" dirty="0" err="1" smtClean="0">
+                <a:solidFill>
+                  <a:schemeClr val="bg1"/>
+                </a:solidFill>
+              </a:rPr>
+              <a:t>ppt</a:t>
+            </a:r>
+            <a:r>
+              <a:rPr lang="zh-CN" altLang="en-US" sz="3200" dirty="0" smtClean="0">
+                <a:solidFill>
+                  <a:schemeClr val="bg1"/>
+                </a:solidFill>
+              </a:rPr>
+              <a:t>（</a:t>
+            </a:r>
+            <a:r>
+              <a:rPr lang="en-US" altLang="zh-CN" sz="3200" dirty="0" smtClean="0">
+                <a:solidFill>
+                  <a:schemeClr val="bg1"/>
+                </a:solidFill>
+              </a:rPr>
+              <a:t>28%</a:t>
+            </a:r>
+            <a:r>
+              <a:rPr lang="zh-CN" altLang="en-US" sz="3200" dirty="0" smtClean="0">
+                <a:solidFill>
+                  <a:schemeClr val="bg1"/>
+                </a:solidFill>
+              </a:rPr>
+              <a:t>）</a:t>
+            </a:r>
+            <a:endParaRPr lang="en-US" altLang="zh-CN" sz="3200" dirty="0" smtClean="0">
+              <a:solidFill>
+                <a:schemeClr val="bg1"/>
+              </a:solidFill>
+            </a:endParaRPr>
+          </a:p>
+          <a:p>
+            <a:r>
+              <a:rPr lang="zh-CN" altLang="en-US" sz="3200" dirty="0">
+                <a:solidFill>
+                  <a:schemeClr val="bg1"/>
+                </a:solidFill>
+              </a:rPr>
+              <a:t>赵</a:t>
+            </a:r>
+            <a:r>
+              <a:rPr lang="zh-CN" altLang="en-US" sz="3200" dirty="0" smtClean="0">
+                <a:solidFill>
+                  <a:schemeClr val="bg1"/>
+                </a:solidFill>
+              </a:rPr>
+              <a:t>伟：可行性计划文档（</a:t>
+            </a:r>
+            <a:r>
+              <a:rPr lang="en-US" altLang="zh-CN" sz="3200" dirty="0" smtClean="0">
+                <a:solidFill>
+                  <a:schemeClr val="bg1"/>
+                </a:solidFill>
+              </a:rPr>
+              <a:t>27%</a:t>
+            </a:r>
+            <a:r>
+              <a:rPr lang="zh-CN" altLang="en-US" sz="3200" dirty="0" smtClean="0">
+                <a:solidFill>
+                  <a:schemeClr val="bg1"/>
+                </a:solidFill>
+              </a:rPr>
+              <a:t>）</a:t>
+            </a:r>
+            <a:endParaRPr lang="en-US" altLang="zh-CN" sz="3200" dirty="0" smtClean="0">
+              <a:solidFill>
+                <a:schemeClr val="bg1"/>
+              </a:solidFill>
+            </a:endParaRPr>
+          </a:p>
+          <a:p>
+            <a:r>
+              <a:rPr lang="zh-CN" altLang="en-US" sz="3200" dirty="0" smtClean="0">
+                <a:solidFill>
+                  <a:schemeClr val="bg1"/>
+                </a:solidFill>
+              </a:rPr>
+              <a:t>李文杰：绘画</a:t>
+            </a:r>
+            <a:r>
+              <a:rPr lang="en-US" altLang="zh-CN" sz="3200" dirty="0" err="1" smtClean="0">
+                <a:solidFill>
+                  <a:schemeClr val="bg1"/>
+                </a:solidFill>
+              </a:rPr>
+              <a:t>gantt</a:t>
+            </a:r>
+            <a:r>
+              <a:rPr lang="zh-CN" altLang="en-US" sz="3200" dirty="0" smtClean="0">
+                <a:solidFill>
+                  <a:schemeClr val="bg1"/>
+                </a:solidFill>
+              </a:rPr>
+              <a:t>（</a:t>
+            </a:r>
+            <a:r>
+              <a:rPr lang="en-US" altLang="zh-CN" sz="3200" dirty="0" smtClean="0">
+                <a:solidFill>
+                  <a:schemeClr val="bg1"/>
+                </a:solidFill>
+              </a:rPr>
+              <a:t>25%</a:t>
+            </a:r>
+            <a:r>
+              <a:rPr lang="zh-CN" altLang="en-US" sz="3200" dirty="0" smtClean="0">
+                <a:solidFill>
+                  <a:schemeClr val="bg1"/>
+                </a:solidFill>
+              </a:rPr>
+              <a:t>）</a:t>
+            </a:r>
+            <a:endParaRPr lang="en-US" altLang="zh-CN" sz="3200" dirty="0" smtClean="0">
+              <a:solidFill>
+                <a:schemeClr val="bg1"/>
+              </a:solidFill>
+            </a:endParaRPr>
+          </a:p>
+          <a:p>
+            <a:r>
+              <a:rPr lang="zh-CN" altLang="en-US" sz="3200" dirty="0">
+                <a:solidFill>
+                  <a:schemeClr val="bg1"/>
+                </a:solidFill>
+              </a:rPr>
+              <a:t>余泽</a:t>
+            </a:r>
+            <a:r>
+              <a:rPr lang="zh-CN" altLang="en-US" sz="3200" dirty="0" smtClean="0">
+                <a:solidFill>
+                  <a:schemeClr val="bg1"/>
+                </a:solidFill>
+              </a:rPr>
+              <a:t>伟：查找材料（</a:t>
+            </a:r>
+            <a:r>
+              <a:rPr lang="en-US" altLang="zh-CN" sz="3200" dirty="0" smtClean="0">
+                <a:solidFill>
+                  <a:schemeClr val="bg1"/>
+                </a:solidFill>
+              </a:rPr>
+              <a:t>20%</a:t>
+            </a:r>
+            <a:r>
+              <a:rPr lang="zh-CN" altLang="en-US" sz="3200" dirty="0" smtClean="0">
+                <a:solidFill>
+                  <a:schemeClr val="bg1"/>
+                </a:solidFill>
+              </a:rPr>
+              <a:t>）</a:t>
+            </a:r>
+            <a:endParaRPr lang="en-US" altLang="zh-CN" sz="3200" dirty="0" smtClean="0">
+              <a:solidFill>
+                <a:schemeClr val="bg1"/>
+              </a:solidFill>
+            </a:endParaRPr>
+          </a:p>
+          <a:p>
+            <a:endParaRPr lang="zh-CN" altLang="en-US" sz="3200" dirty="0">
+              <a:solidFill>
+                <a:schemeClr val="bg1"/>
+              </a:solidFill>
+            </a:endParaRPr>
+          </a:p>
+        </p:txBody>
+      </p:sp>
+    </p:spTree>
+    <p:extLst>
+      <p:ext uri="{BB962C8B-B14F-4D97-AF65-F5344CB8AC3E}">
+        <p14:creationId xmlns:p14="http://schemas.microsoft.com/office/powerpoint/2010/main" val="1564111426"/>
+      </p:ext>
+    </p:extLst>
+  </p:cSld>
+  <p:clrMapOvr>
+    <a:masterClrMapping/>
+  </p:clrMapOvr>
+  <p:transition spd="slow" advTm="3000">
+    <p:fade/>
+  </p:transition>
+  <p:timing>
+    <p:tnLst>
+      <p:par>
+        <p:cTn id="1" dur="indefinite" restart="never" nodeType="tmRoot"/>
+      </p:par>
+    </p:tnLst>
+  </p:timing>
+</p:sld>
+</file>
+
+<file path=ppt/slides/slide14.xml><?xml version="1.0" encoding="utf-8"?>
 <p:sld xmlns:a="http://schemas.openxmlformats.org/drawingml/2006/main" xmlns:r="http://schemas.openxmlformats.org/officeDocument/2006/relationships" xmlns:p="http://schemas.openxmlformats.org/presentationml/2006/main">
   <p:cSld>
     <p:spTree>
@@ -20464,7 +22199,7 @@
   <a:extraClrSchemeLst/>
   <a:extLst>
     <a:ext uri="{05A4C25C-085E-4340-85A3-A5531E510DB2}">
-      <thm15:themeFamily xmlns="" xmlns:thm15="http://schemas.microsoft.com/office/thememl/2012/main" name="Office Theme" id="{62F939B6-93AF-4DB8-9C6B-D6C7DFDC589F}" vid="{4A3C46E8-61CC-4603-A589-7422A47A8E4A}"/>
+      <thm15:themeFamily xmlns:thm15="http://schemas.microsoft.com/office/thememl/2012/main" xmlns="" name="Office Theme" id="{62F939B6-93AF-4DB8-9C6B-D6C7DFDC589F}" vid="{4A3C46E8-61CC-4603-A589-7422A47A8E4A}"/>
     </a:ext>
   </a:extLst>
 </a:theme>
@@ -20725,7 +22460,7 @@
   <a:extraClrSchemeLst/>
   <a:extLst>
     <a:ext uri="{05A4C25C-085E-4340-85A3-A5531E510DB2}">
-      <thm15:themeFamily xmlns="" xmlns:thm15="http://schemas.microsoft.com/office/thememl/2012/main" name="Office Theme" id="{62F939B6-93AF-4DB8-9C6B-D6C7DFDC589F}" vid="{4A3C46E8-61CC-4603-A589-7422A47A8E4A}"/>
+      <thm15:themeFamily xmlns:thm15="http://schemas.microsoft.com/office/thememl/2012/main" xmlns="" name="Office Theme" id="{62F939B6-93AF-4DB8-9C6B-D6C7DFDC589F}" vid="{4A3C46E8-61CC-4603-A589-7422A47A8E4A}"/>
     </a:ext>
   </a:extLst>
 </a:theme>
